--- a/doc/Presentazione_Progetto_Edu_Banfi_Pasquini.pptx
+++ b/doc/Presentazione_Progetto_Edu_Banfi_Pasquini.pptx
@@ -523,14 +523,14 @@
           </a:ln>
           <a:extLst>
             <a:ext uri="{909E8E84-426E-40dd-AFC4-6F175D3DCCD1}">
-              <a14:hiddenFill xmlns="" xmlns:a14="http://schemas.microsoft.com/office/drawing/2010/main">
+              <a14:hiddenFill xmlns:a14="http://schemas.microsoft.com/office/drawing/2010/main" xmlns="">
                 <a:solidFill>
                   <a:srgbClr val="FFFFFF"/>
                 </a:solidFill>
               </a14:hiddenFill>
             </a:ext>
             <a:ext uri="{FAA26D3D-D897-4be2-8F04-BA451C77F1D7}">
-              <ma14:placeholderFlag xmlns="" xmlns:ma14="http://schemas.microsoft.com/office/mac/drawingml/2011/main" val="1"/>
+              <ma14:placeholderFlag xmlns:ma14="http://schemas.microsoft.com/office/mac/drawingml/2011/main" xmlns="" val="1"/>
             </a:ext>
           </a:extLst>
         </p:spPr>
@@ -4952,13 +4952,7 @@
           <a:p>
             <a:r>
               <a:rPr lang="it-IT" dirty="0"/>
-              <a:t>Banfi Samuel</a:t>
-            </a:r>
-          </a:p>
-          <a:p>
-            <a:r>
-              <a:rPr lang="it-IT" dirty="0"/>
-              <a:t>Pasquini Mattia</a:t>
+              <a:t>Corti Giancarlo</a:t>
             </a:r>
           </a:p>
         </p:txBody>
@@ -5089,8 +5083,16 @@
           <a:lstStyle/>
           <a:p>
             <a:r>
-              <a:rPr lang="it-IT" dirty="0"/>
-              <a:t>-</a:t>
+              <a:rPr lang="it-IT" dirty="0" err="1"/>
+              <a:t>Agnola</a:t>
+            </a:r>
+            <a:r>
+              <a:rPr lang="it-IT"/>
+              <a:t> Tommas</a:t>
+            </a:r>
+            <a:r>
+              <a:rPr lang="it-IT" dirty="0"/>
+              <a:t>o</a:t>
             </a:r>
           </a:p>
         </p:txBody>
